--- a/7-Services/Services.pptx
+++ b/7-Services/Services.pptx
@@ -7,14 +7,15 @@
   <p:sldIdLst>
     <p:sldId id="259" r:id="rId2"/>
     <p:sldId id="260" r:id="rId3"/>
-    <p:sldId id="261" r:id="rId4"/>
-    <p:sldId id="262" r:id="rId5"/>
-    <p:sldId id="263" r:id="rId6"/>
-    <p:sldId id="264" r:id="rId7"/>
-    <p:sldId id="265" r:id="rId8"/>
-    <p:sldId id="266" r:id="rId9"/>
-    <p:sldId id="267" r:id="rId10"/>
-    <p:sldId id="269" r:id="rId11"/>
+    <p:sldId id="270" r:id="rId4"/>
+    <p:sldId id="261" r:id="rId5"/>
+    <p:sldId id="262" r:id="rId6"/>
+    <p:sldId id="263" r:id="rId7"/>
+    <p:sldId id="264" r:id="rId8"/>
+    <p:sldId id="265" r:id="rId9"/>
+    <p:sldId id="266" r:id="rId10"/>
+    <p:sldId id="267" r:id="rId11"/>
+    <p:sldId id="269" r:id="rId12"/>
   </p:sldIdLst>
   <p:sldSz cx="12192000" cy="6858000"/>
   <p:notesSz cx="6858000" cy="9144000"/>
@@ -3103,6 +3104,131 @@
           <a:chExt cx="0" cy="0"/>
         </a:xfrm>
       </p:grpSpPr>
+      <p:sp>
+        <p:nvSpPr>
+          <p:cNvPr id="2" name="Title 1"/>
+          <p:cNvSpPr>
+            <a:spLocks noGrp="1"/>
+          </p:cNvSpPr>
+          <p:nvPr>
+            <p:ph type="title"/>
+          </p:nvPr>
+        </p:nvSpPr>
+        <p:spPr/>
+        <p:txBody>
+          <a:bodyPr/>
+          <a:lstStyle/>
+          <a:p>
+            <a:r>
+              <a:rPr lang="en-US" dirty="0"/>
+              <a:t>Exposing Services </a:t>
+            </a:r>
+            <a:endParaRPr lang="en-SG" dirty="0"/>
+          </a:p>
+        </p:txBody>
+      </p:sp>
+      <p:pic>
+        <p:nvPicPr>
+          <p:cNvPr id="6" name="Picture 5"/>
+          <p:cNvPicPr>
+            <a:picLocks noChangeAspect="1"/>
+          </p:cNvPicPr>
+          <p:nvPr/>
+        </p:nvPicPr>
+        <p:blipFill>
+          <a:blip r:embed="rId2"/>
+          <a:stretch>
+            <a:fillRect/>
+          </a:stretch>
+        </p:blipFill>
+        <p:spPr>
+          <a:xfrm>
+            <a:off x="1281845" y="2528521"/>
+            <a:ext cx="6867525" cy="2609850"/>
+          </a:xfrm>
+          <a:prstGeom prst="rect">
+            <a:avLst/>
+          </a:prstGeom>
+        </p:spPr>
+      </p:pic>
+      <p:pic>
+        <p:nvPicPr>
+          <p:cNvPr id="4" name="Picture 3" descr="Image result for kubernetes">
+            <a:hlinkClick r:id="rId3"/>
+            <a:extLst>
+              <a:ext uri="{FF2B5EF4-FFF2-40B4-BE49-F238E27FC236}">
+                <a16:creationId xmlns:a16="http://schemas.microsoft.com/office/drawing/2014/main" id="{0A056345-67B1-4054-9137-B6C0342714D3}"/>
+              </a:ext>
+            </a:extLst>
+          </p:cNvPr>
+          <p:cNvPicPr>
+            <a:picLocks noChangeAspect="1" noChangeArrowheads="1"/>
+          </p:cNvPicPr>
+          <p:nvPr/>
+        </p:nvPicPr>
+        <p:blipFill>
+          <a:blip r:embed="rId4">
+            <a:extLst>
+              <a:ext uri="{28A0092B-C50C-407E-A947-70E740481C1C}">
+                <a14:useLocalDpi xmlns:a14="http://schemas.microsoft.com/office/drawing/2010/main" val="0"/>
+              </a:ext>
+            </a:extLst>
+          </a:blip>
+          <a:srcRect/>
+          <a:stretch>
+            <a:fillRect/>
+          </a:stretch>
+        </p:blipFill>
+        <p:spPr bwMode="auto">
+          <a:xfrm>
+            <a:off x="10002576" y="4823578"/>
+            <a:ext cx="1990725" cy="1943100"/>
+          </a:xfrm>
+          <a:prstGeom prst="rect">
+            <a:avLst/>
+          </a:prstGeom>
+          <a:noFill/>
+          <a:extLst>
+            <a:ext uri="{909E8E84-426E-40DD-AFC4-6F175D3DCCD1}">
+              <a14:hiddenFill xmlns:a14="http://schemas.microsoft.com/office/drawing/2010/main">
+                <a:solidFill>
+                  <a:srgbClr val="FFFFFF"/>
+                </a:solidFill>
+              </a14:hiddenFill>
+            </a:ext>
+          </a:extLst>
+        </p:spPr>
+      </p:pic>
+    </p:spTree>
+    <p:extLst>
+      <p:ext uri="{BB962C8B-B14F-4D97-AF65-F5344CB8AC3E}">
+        <p14:creationId xmlns:p14="http://schemas.microsoft.com/office/powerpoint/2010/main" val="56335652"/>
+      </p:ext>
+    </p:extLst>
+  </p:cSld>
+  <p:clrMapOvr>
+    <a:masterClrMapping/>
+  </p:clrMapOvr>
+</p:sld>
+</file>
+
+<file path=ppt/slides/slide11.xml><?xml version="1.0" encoding="utf-8"?>
+<p:sld xmlns:a="http://schemas.openxmlformats.org/drawingml/2006/main" xmlns:r="http://schemas.openxmlformats.org/officeDocument/2006/relationships" xmlns:p="http://schemas.openxmlformats.org/presentationml/2006/main">
+  <p:cSld>
+    <p:spTree>
+      <p:nvGrpSpPr>
+        <p:cNvPr id="1" name=""/>
+        <p:cNvGrpSpPr/>
+        <p:nvPr/>
+      </p:nvGrpSpPr>
+      <p:grpSpPr>
+        <a:xfrm>
+          <a:off x="0" y="0"/>
+          <a:ext cx="0" cy="0"/>
+          <a:chOff x="0" y="0"/>
+          <a:chExt cx="0" cy="0"/>
+        </a:xfrm>
+      </p:grpSpPr>
       <p:pic>
         <p:nvPicPr>
           <p:cNvPr id="9" name="Content Placeholder 8">
@@ -3323,6 +3449,174 @@
       </p:grpSpPr>
       <p:pic>
         <p:nvPicPr>
+          <p:cNvPr id="8" name="Content Placeholder 7">
+            <a:extLst>
+              <a:ext uri="{FF2B5EF4-FFF2-40B4-BE49-F238E27FC236}">
+                <a16:creationId xmlns:a16="http://schemas.microsoft.com/office/drawing/2014/main" id="{BAB0065D-259D-47E0-9E93-DD52CB062939}"/>
+              </a:ext>
+            </a:extLst>
+          </p:cNvPr>
+          <p:cNvPicPr>
+            <a:picLocks noGrp="1" noChangeAspect="1"/>
+          </p:cNvPicPr>
+          <p:nvPr>
+            <p:ph idx="1"/>
+          </p:nvPr>
+        </p:nvPicPr>
+        <p:blipFill>
+          <a:blip r:embed="rId2">
+            <a:extLst>
+              <a:ext uri="{28A0092B-C50C-407E-A947-70E740481C1C}">
+                <a14:useLocalDpi xmlns:a14="http://schemas.microsoft.com/office/drawing/2010/main" val="0"/>
+              </a:ext>
+            </a:extLst>
+          </a:blip>
+          <a:stretch>
+            <a:fillRect/>
+          </a:stretch>
+        </p:blipFill>
+        <p:spPr>
+          <a:xfrm>
+            <a:off x="1442401" y="1716581"/>
+            <a:ext cx="7256835" cy="4357106"/>
+          </a:xfrm>
+        </p:spPr>
+      </p:pic>
+      <p:sp>
+        <p:nvSpPr>
+          <p:cNvPr id="9" name="Title 2">
+            <a:extLst>
+              <a:ext uri="{FF2B5EF4-FFF2-40B4-BE49-F238E27FC236}">
+                <a16:creationId xmlns:a16="http://schemas.microsoft.com/office/drawing/2014/main" id="{58926762-522A-426D-875B-A134E42ABE7B}"/>
+              </a:ext>
+            </a:extLst>
+          </p:cNvPr>
+          <p:cNvSpPr txBox="1">
+            <a:spLocks/>
+          </p:cNvSpPr>
+          <p:nvPr/>
+        </p:nvSpPr>
+        <p:spPr>
+          <a:xfrm>
+            <a:off x="656281" y="265362"/>
+            <a:ext cx="10879439" cy="574516"/>
+          </a:xfrm>
+          <a:prstGeom prst="rect">
+            <a:avLst/>
+          </a:prstGeom>
+        </p:spPr>
+        <p:txBody>
+          <a:bodyPr vert="horz" lIns="91440" tIns="45720" rIns="91440" bIns="45720" rtlCol="0" anchor="ctr">
+            <a:normAutofit fontScale="90000" lnSpcReduction="20000"/>
+          </a:bodyPr>
+          <a:lstStyle>
+            <a:lvl1pPr algn="l" defTabSz="914400" rtl="0" eaLnBrk="1" latinLnBrk="0" hangingPunct="1">
+              <a:lnSpc>
+                <a:spcPct val="90000"/>
+              </a:lnSpc>
+              <a:spcBef>
+                <a:spcPct val="0"/>
+              </a:spcBef>
+              <a:buNone/>
+              <a:defRPr sz="4400" kern="1200">
+                <a:solidFill>
+                  <a:schemeClr val="tx1"/>
+                </a:solidFill>
+                <a:latin typeface="+mj-lt"/>
+                <a:ea typeface="+mj-ea"/>
+                <a:cs typeface="+mj-cs"/>
+              </a:defRPr>
+            </a:lvl1pPr>
+          </a:lstStyle>
+          <a:p>
+            <a:r>
+              <a:rPr lang="en-US"/>
+              <a:t>Services</a:t>
+            </a:r>
+            <a:endParaRPr lang="en-US" dirty="0"/>
+          </a:p>
+        </p:txBody>
+      </p:sp>
+      <p:pic>
+        <p:nvPicPr>
+          <p:cNvPr id="10" name="Picture 3" descr="Image result for kubernetes">
+            <a:hlinkClick r:id="rId3"/>
+            <a:extLst>
+              <a:ext uri="{FF2B5EF4-FFF2-40B4-BE49-F238E27FC236}">
+                <a16:creationId xmlns:a16="http://schemas.microsoft.com/office/drawing/2014/main" id="{A034651A-A116-497E-B0ED-5A8BF89E38A4}"/>
+              </a:ext>
+            </a:extLst>
+          </p:cNvPr>
+          <p:cNvPicPr>
+            <a:picLocks noChangeAspect="1" noChangeArrowheads="1"/>
+          </p:cNvPicPr>
+          <p:nvPr/>
+        </p:nvPicPr>
+        <p:blipFill>
+          <a:blip r:embed="rId4">
+            <a:extLst>
+              <a:ext uri="{28A0092B-C50C-407E-A947-70E740481C1C}">
+                <a14:useLocalDpi xmlns:a14="http://schemas.microsoft.com/office/drawing/2010/main" val="0"/>
+              </a:ext>
+            </a:extLst>
+          </a:blip>
+          <a:srcRect/>
+          <a:stretch>
+            <a:fillRect/>
+          </a:stretch>
+        </p:blipFill>
+        <p:spPr bwMode="auto">
+          <a:xfrm>
+            <a:off x="10002576" y="4823578"/>
+            <a:ext cx="1990725" cy="1943100"/>
+          </a:xfrm>
+          <a:prstGeom prst="rect">
+            <a:avLst/>
+          </a:prstGeom>
+          <a:noFill/>
+          <a:extLst>
+            <a:ext uri="{909E8E84-426E-40DD-AFC4-6F175D3DCCD1}">
+              <a14:hiddenFill xmlns:a14="http://schemas.microsoft.com/office/drawing/2010/main">
+                <a:solidFill>
+                  <a:srgbClr val="FFFFFF"/>
+                </a:solidFill>
+              </a14:hiddenFill>
+            </a:ext>
+          </a:extLst>
+        </p:spPr>
+      </p:pic>
+    </p:spTree>
+    <p:extLst>
+      <p:ext uri="{BB962C8B-B14F-4D97-AF65-F5344CB8AC3E}">
+        <p14:creationId xmlns:p14="http://schemas.microsoft.com/office/powerpoint/2010/main" val="1994248065"/>
+      </p:ext>
+    </p:extLst>
+  </p:cSld>
+  <p:clrMapOvr>
+    <a:masterClrMapping/>
+  </p:clrMapOvr>
+</p:sld>
+</file>
+
+<file path=ppt/slides/slide4.xml><?xml version="1.0" encoding="utf-8"?>
+<p:sld xmlns:a="http://schemas.openxmlformats.org/drawingml/2006/main" xmlns:r="http://schemas.openxmlformats.org/officeDocument/2006/relationships" xmlns:p="http://schemas.openxmlformats.org/presentationml/2006/main">
+  <p:cSld>
+    <p:spTree>
+      <p:nvGrpSpPr>
+        <p:cNvPr id="1" name=""/>
+        <p:cNvGrpSpPr/>
+        <p:nvPr/>
+      </p:nvGrpSpPr>
+      <p:grpSpPr>
+        <a:xfrm>
+          <a:off x="0" y="0"/>
+          <a:ext cx="0" cy="0"/>
+          <a:chOff x="0" y="0"/>
+          <a:chExt cx="0" cy="0"/>
+        </a:xfrm>
+      </p:grpSpPr>
+      <p:pic>
+        <p:nvPicPr>
           <p:cNvPr id="4" name="Picture 3"/>
           <p:cNvPicPr>
             <a:picLocks noChangeAspect="1"/>
@@ -3406,7 +3700,7 @@
 </p:sld>
 </file>
 
-<file path=ppt/slides/slide4.xml><?xml version="1.0" encoding="utf-8"?>
+<file path=ppt/slides/slide5.xml><?xml version="1.0" encoding="utf-8"?>
 <p:sld xmlns:a="http://schemas.openxmlformats.org/drawingml/2006/main" xmlns:r="http://schemas.openxmlformats.org/officeDocument/2006/relationships" xmlns:p="http://schemas.openxmlformats.org/presentationml/2006/main">
   <p:cSld>
     <p:spTree>
@@ -3673,7 +3967,7 @@
 </p:sld>
 </file>
 
-<file path=ppt/slides/slide5.xml><?xml version="1.0" encoding="utf-8"?>
+<file path=ppt/slides/slide6.xml><?xml version="1.0" encoding="utf-8"?>
 <p:sld xmlns:a="http://schemas.openxmlformats.org/drawingml/2006/main" xmlns:r="http://schemas.openxmlformats.org/officeDocument/2006/relationships" xmlns:p="http://schemas.openxmlformats.org/presentationml/2006/main">
   <p:cSld>
     <p:spTree>
@@ -3882,7 +4176,7 @@
 </p:sld>
 </file>
 
-<file path=ppt/slides/slide6.xml><?xml version="1.0" encoding="utf-8"?>
+<file path=ppt/slides/slide7.xml><?xml version="1.0" encoding="utf-8"?>
 <p:sld xmlns:a="http://schemas.openxmlformats.org/drawingml/2006/main" xmlns:r="http://schemas.openxmlformats.org/officeDocument/2006/relationships" xmlns:p="http://schemas.openxmlformats.org/presentationml/2006/main">
   <p:cSld>
     <p:spTree>
@@ -4110,7 +4404,7 @@
 </p:sld>
 </file>
 
-<file path=ppt/slides/slide7.xml><?xml version="1.0" encoding="utf-8"?>
+<file path=ppt/slides/slide8.xml><?xml version="1.0" encoding="utf-8"?>
 <p:sld xmlns:a="http://schemas.openxmlformats.org/drawingml/2006/main" xmlns:r="http://schemas.openxmlformats.org/officeDocument/2006/relationships" xmlns:p="http://schemas.openxmlformats.org/presentationml/2006/main">
   <p:cSld>
     <p:spTree>
@@ -4380,7 +4674,7 @@
 </p:sld>
 </file>
 
-<file path=ppt/slides/slide8.xml><?xml version="1.0" encoding="utf-8"?>
+<file path=ppt/slides/slide9.xml><?xml version="1.0" encoding="utf-8"?>
 <p:sld xmlns:a="http://schemas.openxmlformats.org/drawingml/2006/main" xmlns:r="http://schemas.openxmlformats.org/officeDocument/2006/relationships" xmlns:p="http://schemas.openxmlformats.org/presentationml/2006/main">
   <p:cSld>
     <p:spTree>
@@ -4523,131 +4817,6 @@
     <p:extLst>
       <p:ext uri="{BB962C8B-B14F-4D97-AF65-F5344CB8AC3E}">
         <p14:creationId xmlns:p14="http://schemas.microsoft.com/office/powerpoint/2010/main" val="3105795072"/>
-      </p:ext>
-    </p:extLst>
-  </p:cSld>
-  <p:clrMapOvr>
-    <a:masterClrMapping/>
-  </p:clrMapOvr>
-</p:sld>
-</file>
-
-<file path=ppt/slides/slide9.xml><?xml version="1.0" encoding="utf-8"?>
-<p:sld xmlns:a="http://schemas.openxmlformats.org/drawingml/2006/main" xmlns:r="http://schemas.openxmlformats.org/officeDocument/2006/relationships" xmlns:p="http://schemas.openxmlformats.org/presentationml/2006/main">
-  <p:cSld>
-    <p:spTree>
-      <p:nvGrpSpPr>
-        <p:cNvPr id="1" name=""/>
-        <p:cNvGrpSpPr/>
-        <p:nvPr/>
-      </p:nvGrpSpPr>
-      <p:grpSpPr>
-        <a:xfrm>
-          <a:off x="0" y="0"/>
-          <a:ext cx="0" cy="0"/>
-          <a:chOff x="0" y="0"/>
-          <a:chExt cx="0" cy="0"/>
-        </a:xfrm>
-      </p:grpSpPr>
-      <p:sp>
-        <p:nvSpPr>
-          <p:cNvPr id="2" name="Title 1"/>
-          <p:cNvSpPr>
-            <a:spLocks noGrp="1"/>
-          </p:cNvSpPr>
-          <p:nvPr>
-            <p:ph type="title"/>
-          </p:nvPr>
-        </p:nvSpPr>
-        <p:spPr/>
-        <p:txBody>
-          <a:bodyPr/>
-          <a:lstStyle/>
-          <a:p>
-            <a:r>
-              <a:rPr lang="en-US" dirty="0"/>
-              <a:t>Exposing Services </a:t>
-            </a:r>
-            <a:endParaRPr lang="en-SG" dirty="0"/>
-          </a:p>
-        </p:txBody>
-      </p:sp>
-      <p:pic>
-        <p:nvPicPr>
-          <p:cNvPr id="6" name="Picture 5"/>
-          <p:cNvPicPr>
-            <a:picLocks noChangeAspect="1"/>
-          </p:cNvPicPr>
-          <p:nvPr/>
-        </p:nvPicPr>
-        <p:blipFill>
-          <a:blip r:embed="rId2"/>
-          <a:stretch>
-            <a:fillRect/>
-          </a:stretch>
-        </p:blipFill>
-        <p:spPr>
-          <a:xfrm>
-            <a:off x="1281845" y="2528521"/>
-            <a:ext cx="6867525" cy="2609850"/>
-          </a:xfrm>
-          <a:prstGeom prst="rect">
-            <a:avLst/>
-          </a:prstGeom>
-        </p:spPr>
-      </p:pic>
-      <p:pic>
-        <p:nvPicPr>
-          <p:cNvPr id="4" name="Picture 3" descr="Image result for kubernetes">
-            <a:hlinkClick r:id="rId3"/>
-            <a:extLst>
-              <a:ext uri="{FF2B5EF4-FFF2-40B4-BE49-F238E27FC236}">
-                <a16:creationId xmlns:a16="http://schemas.microsoft.com/office/drawing/2014/main" id="{0A056345-67B1-4054-9137-B6C0342714D3}"/>
-              </a:ext>
-            </a:extLst>
-          </p:cNvPr>
-          <p:cNvPicPr>
-            <a:picLocks noChangeAspect="1" noChangeArrowheads="1"/>
-          </p:cNvPicPr>
-          <p:nvPr/>
-        </p:nvPicPr>
-        <p:blipFill>
-          <a:blip r:embed="rId4">
-            <a:extLst>
-              <a:ext uri="{28A0092B-C50C-407E-A947-70E740481C1C}">
-                <a14:useLocalDpi xmlns:a14="http://schemas.microsoft.com/office/drawing/2010/main" val="0"/>
-              </a:ext>
-            </a:extLst>
-          </a:blip>
-          <a:srcRect/>
-          <a:stretch>
-            <a:fillRect/>
-          </a:stretch>
-        </p:blipFill>
-        <p:spPr bwMode="auto">
-          <a:xfrm>
-            <a:off x="10002576" y="4823578"/>
-            <a:ext cx="1990725" cy="1943100"/>
-          </a:xfrm>
-          <a:prstGeom prst="rect">
-            <a:avLst/>
-          </a:prstGeom>
-          <a:noFill/>
-          <a:extLst>
-            <a:ext uri="{909E8E84-426E-40DD-AFC4-6F175D3DCCD1}">
-              <a14:hiddenFill xmlns:a14="http://schemas.microsoft.com/office/drawing/2010/main">
-                <a:solidFill>
-                  <a:srgbClr val="FFFFFF"/>
-                </a:solidFill>
-              </a14:hiddenFill>
-            </a:ext>
-          </a:extLst>
-        </p:spPr>
-      </p:pic>
-    </p:spTree>
-    <p:extLst>
-      <p:ext uri="{BB962C8B-B14F-4D97-AF65-F5344CB8AC3E}">
-        <p14:creationId xmlns:p14="http://schemas.microsoft.com/office/powerpoint/2010/main" val="56335652"/>
       </p:ext>
     </p:extLst>
   </p:cSld>
